--- a/tex/QC-report-outline.pptx
+++ b/tex/QC-report-outline.pptx
@@ -3384,15 +3384,7 @@
           <a:p>
             <a:r>
               <a:rPr lang="en-US" dirty="0"/>
-              <a:t>N. A. Petersson, F. M. Garcia, A. E. </a:t>
-            </a:r>
-            <a:r>
-              <a:rPr lang="en-US"/>
-              <a:t>Copeland and </a:t>
-            </a:r>
-            <a:r>
-              <a:rPr lang="en-US" dirty="0"/>
-              <a:t>Y. Rydin</a:t>
+              <a:t>N. A. Petersson, F. M. Garcia, A. E. Copeland and Y. Rydin</a:t>
             </a:r>
           </a:p>
         </p:txBody>

--- a/tex/QC-report-outline.pptx
+++ b/tex/QC-report-outline.pptx
@@ -4147,7 +4147,75 @@
           <a:bodyPr/>
           <a:lstStyle/>
           <a:p>
+            <a:r>
+              <a:rPr lang="en-US" dirty="0" err="1"/>
+              <a:t>Ylva’s</a:t>
+            </a:r>
+            <a:r>
+              <a:rPr lang="en-US" dirty="0"/>
+              <a:t> draft report: </a:t>
+            </a:r>
+            <a:r>
+              <a:rPr lang="en-US" dirty="0" err="1"/>
+              <a:t>Report.tex</a:t>
+            </a:r>
+            <a:r>
+              <a:rPr lang="en-US" dirty="0"/>
+              <a:t> (branch </a:t>
+            </a:r>
+            <a:r>
+              <a:rPr lang="en-US" dirty="0" err="1"/>
+              <a:t>ReportYlva</a:t>
+            </a:r>
+            <a:r>
+              <a:rPr lang="en-US" dirty="0"/>
+              <a:t>)</a:t>
+            </a:r>
+          </a:p>
+          <a:p>
+            <a:r>
+              <a:rPr lang="en-US" dirty="0"/>
+              <a:t>Anders’ time-integration tests: </a:t>
+            </a:r>
+            <a:r>
+              <a:rPr lang="en-US" dirty="0" err="1"/>
+              <a:t>testproblem.tex</a:t>
+            </a:r>
+            <a:r>
+              <a:rPr lang="en-US"/>
+              <a:t> (rotating-frame)</a:t>
+            </a:r>
             <a:endParaRPr lang="en-US" dirty="0"/>
+          </a:p>
+          <a:p>
+            <a:r>
+              <a:rPr lang="en-US" dirty="0"/>
+              <a:t>Austin’s two-oscillator rotating frame: ?</a:t>
+            </a:r>
+          </a:p>
+          <a:p>
+            <a:r>
+              <a:rPr lang="en-US" dirty="0" err="1"/>
+              <a:t>Fortino’s</a:t>
+            </a:r>
+            <a:r>
+              <a:rPr lang="en-US" dirty="0"/>
+              <a:t> discrete adjoint calculations: ?</a:t>
+            </a:r>
+          </a:p>
+          <a:p>
+            <a:r>
+              <a:rPr lang="en-US" dirty="0"/>
+              <a:t>Anders’ derivation of adjoint PRK: Adjoint-</a:t>
+            </a:r>
+            <a:r>
+              <a:rPr lang="en-US" dirty="0" err="1"/>
+              <a:t>PRK.tex</a:t>
+            </a:r>
+            <a:r>
+              <a:rPr lang="en-US" dirty="0"/>
+              <a:t> (rotating-frame)</a:t>
+            </a:r>
           </a:p>
         </p:txBody>
       </p:sp>
